--- a/templates/Offer Letter Negro.pptx
+++ b/templates/Offer Letter Negro.pptx
@@ -2638,7 +2638,7 @@
         <p:spPr>
           <a:xfrm>
             <a:off x="622934" y="1839450"/>
-            <a:ext cx="2861053" cy="646331"/>
+            <a:ext cx="2861053" cy="369332"/>
           </a:xfrm>
           <a:prstGeom prst="rect">
             <a:avLst/>
@@ -2651,15 +2651,15 @@
           </a:bodyPr>
           <a:lstStyle/>
           <a:p>
-            <a:fld id="{7FB10812-734A-414C-973A-EEDD76F939E0}" type="datetime2">
-              <a:rPr lang="es-US" b="1" smtClean="0">
+            <a:r>
+              <a:rPr lang="es-US" b="1">
                 <a:solidFill>
                   <a:schemeClr val="accent4"/>
                 </a:solidFill>
                 <a:latin typeface="Silka SemiBold" pitchFamily="2" charset="77"/>
               </a:rPr>
-              <a:t>jueves, 7 de agosto de 2025</a:t>
-            </a:fld>
+              <a:t>, </a:t>
+            </a:r>
             <a:r>
               <a:rPr lang="es-US" b="1" dirty="0">
                 <a:solidFill>
@@ -2667,7 +2667,7 @@
                 </a:solidFill>
                 <a:latin typeface="Silka SemiBold" pitchFamily="2" charset="77"/>
               </a:rPr>
-              <a:t>, Buenos Aires</a:t>
+              <a:t>Buenos Aires</a:t>
             </a:r>
             <a:endParaRPr lang="en-GB" b="1" dirty="0">
               <a:solidFill>
@@ -6730,12 +6730,6 @@
               </a:rPr>
               <a:t>Para cerrar… </a:t>
             </a:r>
-            <a:endParaRPr lang="es-AR" sz="1200" b="1" dirty="0">
-              <a:solidFill>
-                <a:schemeClr val="accent4"/>
-              </a:solidFill>
-              <a:latin typeface="Silka Bold" pitchFamily="2" charset="77"/>
-            </a:endParaRPr>
           </a:p>
           <a:p>
             <a:pPr fontAlgn="base"/>
